--- a/ALL_Utillity/Documents/Utill_FreeMemory.pptx
+++ b/ALL_Utillity/Documents/Utill_FreeMemory.pptx
@@ -258,7 +258,7 @@
           <a:p>
             <a:fld id="{446A29AB-DF6B-42CE-A9A9-230531A1BCB9}" type="datetimeFigureOut">
               <a:rPr lang="ko-KR" altLang="en-US" smtClean="0"/>
-              <a:t>2024-08-19</a:t>
+              <a:t>2024-09-07</a:t>
             </a:fld>
             <a:endParaRPr lang="ko-KR" altLang="en-US"/>
           </a:p>
@@ -672,7 +672,7 @@
           <a:p>
             <a:fld id="{E13C12DF-08E4-4AFC-9C6E-B0D14505573A}" type="datetimeFigureOut">
               <a:rPr lang="ko-KR" altLang="en-US" smtClean="0"/>
-              <a:t>2024-08-19</a:t>
+              <a:t>2024-09-07</a:t>
             </a:fld>
             <a:endParaRPr lang="ko-KR" altLang="en-US"/>
           </a:p>
@@ -870,7 +870,7 @@
           <a:p>
             <a:fld id="{E13C12DF-08E4-4AFC-9C6E-B0D14505573A}" type="datetimeFigureOut">
               <a:rPr lang="ko-KR" altLang="en-US" smtClean="0"/>
-              <a:t>2024-08-19</a:t>
+              <a:t>2024-09-07</a:t>
             </a:fld>
             <a:endParaRPr lang="ko-KR" altLang="en-US"/>
           </a:p>
@@ -1078,7 +1078,7 @@
           <a:p>
             <a:fld id="{E13C12DF-08E4-4AFC-9C6E-B0D14505573A}" type="datetimeFigureOut">
               <a:rPr lang="ko-KR" altLang="en-US" smtClean="0"/>
-              <a:t>2024-08-19</a:t>
+              <a:t>2024-09-07</a:t>
             </a:fld>
             <a:endParaRPr lang="ko-KR" altLang="en-US"/>
           </a:p>
@@ -1276,7 +1276,7 @@
           <a:p>
             <a:fld id="{E13C12DF-08E4-4AFC-9C6E-B0D14505573A}" type="datetimeFigureOut">
               <a:rPr lang="ko-KR" altLang="en-US" smtClean="0"/>
-              <a:t>2024-08-19</a:t>
+              <a:t>2024-09-07</a:t>
             </a:fld>
             <a:endParaRPr lang="ko-KR" altLang="en-US"/>
           </a:p>
@@ -1551,7 +1551,7 @@
           <a:p>
             <a:fld id="{E13C12DF-08E4-4AFC-9C6E-B0D14505573A}" type="datetimeFigureOut">
               <a:rPr lang="ko-KR" altLang="en-US" smtClean="0"/>
-              <a:t>2024-08-19</a:t>
+              <a:t>2024-09-07</a:t>
             </a:fld>
             <a:endParaRPr lang="ko-KR" altLang="en-US"/>
           </a:p>
@@ -1816,7 +1816,7 @@
           <a:p>
             <a:fld id="{E13C12DF-08E4-4AFC-9C6E-B0D14505573A}" type="datetimeFigureOut">
               <a:rPr lang="ko-KR" altLang="en-US" smtClean="0"/>
-              <a:t>2024-08-19</a:t>
+              <a:t>2024-09-07</a:t>
             </a:fld>
             <a:endParaRPr lang="ko-KR" altLang="en-US"/>
           </a:p>
@@ -2228,7 +2228,7 @@
           <a:p>
             <a:fld id="{E13C12DF-08E4-4AFC-9C6E-B0D14505573A}" type="datetimeFigureOut">
               <a:rPr lang="ko-KR" altLang="en-US" smtClean="0"/>
-              <a:t>2024-08-19</a:t>
+              <a:t>2024-09-07</a:t>
             </a:fld>
             <a:endParaRPr lang="ko-KR" altLang="en-US"/>
           </a:p>
@@ -2369,7 +2369,7 @@
           <a:p>
             <a:fld id="{E13C12DF-08E4-4AFC-9C6E-B0D14505573A}" type="datetimeFigureOut">
               <a:rPr lang="ko-KR" altLang="en-US" smtClean="0"/>
-              <a:t>2024-08-19</a:t>
+              <a:t>2024-09-07</a:t>
             </a:fld>
             <a:endParaRPr lang="ko-KR" altLang="en-US"/>
           </a:p>
@@ -2482,7 +2482,7 @@
           <a:p>
             <a:fld id="{E13C12DF-08E4-4AFC-9C6E-B0D14505573A}" type="datetimeFigureOut">
               <a:rPr lang="ko-KR" altLang="en-US" smtClean="0"/>
-              <a:t>2024-08-19</a:t>
+              <a:t>2024-09-07</a:t>
             </a:fld>
             <a:endParaRPr lang="ko-KR" altLang="en-US"/>
           </a:p>
@@ -2793,7 +2793,7 @@
           <a:p>
             <a:fld id="{E13C12DF-08E4-4AFC-9C6E-B0D14505573A}" type="datetimeFigureOut">
               <a:rPr lang="ko-KR" altLang="en-US" smtClean="0"/>
-              <a:t>2024-08-19</a:t>
+              <a:t>2024-09-07</a:t>
             </a:fld>
             <a:endParaRPr lang="ko-KR" altLang="en-US"/>
           </a:p>
@@ -3081,7 +3081,7 @@
           <a:p>
             <a:fld id="{E13C12DF-08E4-4AFC-9C6E-B0D14505573A}" type="datetimeFigureOut">
               <a:rPr lang="ko-KR" altLang="en-US" smtClean="0"/>
-              <a:t>2024-08-19</a:t>
+              <a:t>2024-09-07</a:t>
             </a:fld>
             <a:endParaRPr lang="ko-KR" altLang="en-US"/>
           </a:p>
@@ -3322,7 +3322,7 @@
           <a:p>
             <a:fld id="{E13C12DF-08E4-4AFC-9C6E-B0D14505573A}" type="datetimeFigureOut">
               <a:rPr lang="ko-KR" altLang="en-US" smtClean="0"/>
-              <a:t>2024-08-19</a:t>
+              <a:t>2024-09-07</a:t>
             </a:fld>
             <a:endParaRPr lang="ko-KR" altLang="en-US"/>
           </a:p>
@@ -35493,8 +35493,8 @@
         </p:nvSpPr>
         <p:spPr>
           <a:xfrm>
-            <a:off x="757083" y="5036264"/>
-            <a:ext cx="3106994" cy="355704"/>
+            <a:off x="757082" y="5036264"/>
+            <a:ext cx="4375357" cy="355704"/>
           </a:xfrm>
           <a:prstGeom prst="rect">
             <a:avLst/>
@@ -35529,7 +35529,7 @@
             </a:r>
             <a:r>
               <a:rPr lang="ko-KR" altLang="en-US"/>
-              <a:t>메모리 할당 여부 확인</a:t>
+              <a:t>디버깅시에 해제되지 않은 힙 추적</a:t>
             </a:r>
           </a:p>
         </p:txBody>
@@ -43458,10 +43458,10 @@
       </p:grpSpPr>
       <p:sp>
         <p:nvSpPr>
-          <p:cNvPr id="2" name="직사각형 1">
-            <a:extLst>
-              <a:ext uri="{FF2B5EF4-FFF2-40B4-BE49-F238E27FC236}">
-                <a16:creationId xmlns:a16="http://schemas.microsoft.com/office/drawing/2014/main" id="{ED6D88C5-F7B1-33A3-04FD-FB6878B12F8B}"/>
+          <p:cNvPr id="3" name="직사각형 2">
+            <a:extLst>
+              <a:ext uri="{FF2B5EF4-FFF2-40B4-BE49-F238E27FC236}">
+                <a16:creationId xmlns:a16="http://schemas.microsoft.com/office/drawing/2014/main" id="{8D439D9D-137F-5BD6-992B-C96B0DD4C4D1}"/>
               </a:ext>
             </a:extLst>
           </p:cNvPr>
@@ -43471,7 +43471,7 @@
         <p:spPr>
           <a:xfrm>
             <a:off x="0" y="0"/>
-            <a:ext cx="3106994" cy="355704"/>
+            <a:ext cx="4375357" cy="355704"/>
           </a:xfrm>
           <a:prstGeom prst="rect">
             <a:avLst/>
@@ -43506,7 +43506,7 @@
             </a:r>
             <a:r>
               <a:rPr lang="ko-KR" altLang="en-US"/>
-              <a:t>메모리 할당 여부 확인</a:t>
+              <a:t>디버깅시에 해제되지 않은 힙 추적</a:t>
             </a:r>
           </a:p>
         </p:txBody>

--- a/ALL_Utillity/Documents/Utill_FreeMemory.pptx
+++ b/ALL_Utillity/Documents/Utill_FreeMemory.pptx
@@ -258,7 +258,7 @@
           <a:p>
             <a:fld id="{446A29AB-DF6B-42CE-A9A9-230531A1BCB9}" type="datetimeFigureOut">
               <a:rPr lang="ko-KR" altLang="en-US" smtClean="0"/>
-              <a:t>2024-09-07</a:t>
+              <a:t>2024-11-27</a:t>
             </a:fld>
             <a:endParaRPr lang="ko-KR" altLang="en-US"/>
           </a:p>
@@ -672,7 +672,7 @@
           <a:p>
             <a:fld id="{E13C12DF-08E4-4AFC-9C6E-B0D14505573A}" type="datetimeFigureOut">
               <a:rPr lang="ko-KR" altLang="en-US" smtClean="0"/>
-              <a:t>2024-09-07</a:t>
+              <a:t>2024-11-27</a:t>
             </a:fld>
             <a:endParaRPr lang="ko-KR" altLang="en-US"/>
           </a:p>
@@ -870,7 +870,7 @@
           <a:p>
             <a:fld id="{E13C12DF-08E4-4AFC-9C6E-B0D14505573A}" type="datetimeFigureOut">
               <a:rPr lang="ko-KR" altLang="en-US" smtClean="0"/>
-              <a:t>2024-09-07</a:t>
+              <a:t>2024-11-27</a:t>
             </a:fld>
             <a:endParaRPr lang="ko-KR" altLang="en-US"/>
           </a:p>
@@ -1078,7 +1078,7 @@
           <a:p>
             <a:fld id="{E13C12DF-08E4-4AFC-9C6E-B0D14505573A}" type="datetimeFigureOut">
               <a:rPr lang="ko-KR" altLang="en-US" smtClean="0"/>
-              <a:t>2024-09-07</a:t>
+              <a:t>2024-11-27</a:t>
             </a:fld>
             <a:endParaRPr lang="ko-KR" altLang="en-US"/>
           </a:p>
@@ -1276,7 +1276,7 @@
           <a:p>
             <a:fld id="{E13C12DF-08E4-4AFC-9C6E-B0D14505573A}" type="datetimeFigureOut">
               <a:rPr lang="ko-KR" altLang="en-US" smtClean="0"/>
-              <a:t>2024-09-07</a:t>
+              <a:t>2024-11-27</a:t>
             </a:fld>
             <a:endParaRPr lang="ko-KR" altLang="en-US"/>
           </a:p>
@@ -1551,7 +1551,7 @@
           <a:p>
             <a:fld id="{E13C12DF-08E4-4AFC-9C6E-B0D14505573A}" type="datetimeFigureOut">
               <a:rPr lang="ko-KR" altLang="en-US" smtClean="0"/>
-              <a:t>2024-09-07</a:t>
+              <a:t>2024-11-27</a:t>
             </a:fld>
             <a:endParaRPr lang="ko-KR" altLang="en-US"/>
           </a:p>
@@ -1816,7 +1816,7 @@
           <a:p>
             <a:fld id="{E13C12DF-08E4-4AFC-9C6E-B0D14505573A}" type="datetimeFigureOut">
               <a:rPr lang="ko-KR" altLang="en-US" smtClean="0"/>
-              <a:t>2024-09-07</a:t>
+              <a:t>2024-11-27</a:t>
             </a:fld>
             <a:endParaRPr lang="ko-KR" altLang="en-US"/>
           </a:p>
@@ -2228,7 +2228,7 @@
           <a:p>
             <a:fld id="{E13C12DF-08E4-4AFC-9C6E-B0D14505573A}" type="datetimeFigureOut">
               <a:rPr lang="ko-KR" altLang="en-US" smtClean="0"/>
-              <a:t>2024-09-07</a:t>
+              <a:t>2024-11-27</a:t>
             </a:fld>
             <a:endParaRPr lang="ko-KR" altLang="en-US"/>
           </a:p>
@@ -2369,7 +2369,7 @@
           <a:p>
             <a:fld id="{E13C12DF-08E4-4AFC-9C6E-B0D14505573A}" type="datetimeFigureOut">
               <a:rPr lang="ko-KR" altLang="en-US" smtClean="0"/>
-              <a:t>2024-09-07</a:t>
+              <a:t>2024-11-27</a:t>
             </a:fld>
             <a:endParaRPr lang="ko-KR" altLang="en-US"/>
           </a:p>
@@ -2482,7 +2482,7 @@
           <a:p>
             <a:fld id="{E13C12DF-08E4-4AFC-9C6E-B0D14505573A}" type="datetimeFigureOut">
               <a:rPr lang="ko-KR" altLang="en-US" smtClean="0"/>
-              <a:t>2024-09-07</a:t>
+              <a:t>2024-11-27</a:t>
             </a:fld>
             <a:endParaRPr lang="ko-KR" altLang="en-US"/>
           </a:p>
@@ -2793,7 +2793,7 @@
           <a:p>
             <a:fld id="{E13C12DF-08E4-4AFC-9C6E-B0D14505573A}" type="datetimeFigureOut">
               <a:rPr lang="ko-KR" altLang="en-US" smtClean="0"/>
-              <a:t>2024-09-07</a:t>
+              <a:t>2024-11-27</a:t>
             </a:fld>
             <a:endParaRPr lang="ko-KR" altLang="en-US"/>
           </a:p>
@@ -3081,7 +3081,7 @@
           <a:p>
             <a:fld id="{E13C12DF-08E4-4AFC-9C6E-B0D14505573A}" type="datetimeFigureOut">
               <a:rPr lang="ko-KR" altLang="en-US" smtClean="0"/>
-              <a:t>2024-09-07</a:t>
+              <a:t>2024-11-27</a:t>
             </a:fld>
             <a:endParaRPr lang="ko-KR" altLang="en-US"/>
           </a:p>
@@ -3322,7 +3322,7 @@
           <a:p>
             <a:fld id="{E13C12DF-08E4-4AFC-9C6E-B0D14505573A}" type="datetimeFigureOut">
               <a:rPr lang="ko-KR" altLang="en-US" smtClean="0"/>
-              <a:t>2024-09-07</a:t>
+              <a:t>2024-11-27</a:t>
             </a:fld>
             <a:endParaRPr lang="ko-KR" altLang="en-US"/>
           </a:p>
@@ -45329,7 +45329,7 @@
         </p:nvSpPr>
         <p:spPr>
           <a:xfrm>
-            <a:off x="9419298" y="1281679"/>
+            <a:off x="9434048" y="1291511"/>
             <a:ext cx="2079527" cy="645444"/>
           </a:xfrm>
           <a:prstGeom prst="rect">
